--- a/src/formula1simulator/icons_make.pptx
+++ b/src/formula1simulator/icons_make.pptx
@@ -260,7 +260,7 @@
           <a:p>
             <a:fld id="{B04D53BB-0E77-4B4C-B844-38DE05DA3030}" type="datetimeFigureOut">
               <a:rPr lang="pt-BR" smtClean="0"/>
-              <a:t>07/07/2020</a:t>
+              <a:t>11/07/2020</a:t>
             </a:fld>
             <a:endParaRPr lang="pt-BR"/>
           </a:p>
@@ -458,7 +458,7 @@
           <a:p>
             <a:fld id="{B04D53BB-0E77-4B4C-B844-38DE05DA3030}" type="datetimeFigureOut">
               <a:rPr lang="pt-BR" smtClean="0"/>
-              <a:t>07/07/2020</a:t>
+              <a:t>11/07/2020</a:t>
             </a:fld>
             <a:endParaRPr lang="pt-BR"/>
           </a:p>
@@ -666,7 +666,7 @@
           <a:p>
             <a:fld id="{B04D53BB-0E77-4B4C-B844-38DE05DA3030}" type="datetimeFigureOut">
               <a:rPr lang="pt-BR" smtClean="0"/>
-              <a:t>07/07/2020</a:t>
+              <a:t>11/07/2020</a:t>
             </a:fld>
             <a:endParaRPr lang="pt-BR"/>
           </a:p>
@@ -864,7 +864,7 @@
           <a:p>
             <a:fld id="{B04D53BB-0E77-4B4C-B844-38DE05DA3030}" type="datetimeFigureOut">
               <a:rPr lang="pt-BR" smtClean="0"/>
-              <a:t>07/07/2020</a:t>
+              <a:t>11/07/2020</a:t>
             </a:fld>
             <a:endParaRPr lang="pt-BR"/>
           </a:p>
@@ -1139,7 +1139,7 @@
           <a:p>
             <a:fld id="{B04D53BB-0E77-4B4C-B844-38DE05DA3030}" type="datetimeFigureOut">
               <a:rPr lang="pt-BR" smtClean="0"/>
-              <a:t>07/07/2020</a:t>
+              <a:t>11/07/2020</a:t>
             </a:fld>
             <a:endParaRPr lang="pt-BR"/>
           </a:p>
@@ -1404,7 +1404,7 @@
           <a:p>
             <a:fld id="{B04D53BB-0E77-4B4C-B844-38DE05DA3030}" type="datetimeFigureOut">
               <a:rPr lang="pt-BR" smtClean="0"/>
-              <a:t>07/07/2020</a:t>
+              <a:t>11/07/2020</a:t>
             </a:fld>
             <a:endParaRPr lang="pt-BR"/>
           </a:p>
@@ -1816,7 +1816,7 @@
           <a:p>
             <a:fld id="{B04D53BB-0E77-4B4C-B844-38DE05DA3030}" type="datetimeFigureOut">
               <a:rPr lang="pt-BR" smtClean="0"/>
-              <a:t>07/07/2020</a:t>
+              <a:t>11/07/2020</a:t>
             </a:fld>
             <a:endParaRPr lang="pt-BR"/>
           </a:p>
@@ -1957,7 +1957,7 @@
           <a:p>
             <a:fld id="{B04D53BB-0E77-4B4C-B844-38DE05DA3030}" type="datetimeFigureOut">
               <a:rPr lang="pt-BR" smtClean="0"/>
-              <a:t>07/07/2020</a:t>
+              <a:t>11/07/2020</a:t>
             </a:fld>
             <a:endParaRPr lang="pt-BR"/>
           </a:p>
@@ -2070,7 +2070,7 @@
           <a:p>
             <a:fld id="{B04D53BB-0E77-4B4C-B844-38DE05DA3030}" type="datetimeFigureOut">
               <a:rPr lang="pt-BR" smtClean="0"/>
-              <a:t>07/07/2020</a:t>
+              <a:t>11/07/2020</a:t>
             </a:fld>
             <a:endParaRPr lang="pt-BR"/>
           </a:p>
@@ -2381,7 +2381,7 @@
           <a:p>
             <a:fld id="{B04D53BB-0E77-4B4C-B844-38DE05DA3030}" type="datetimeFigureOut">
               <a:rPr lang="pt-BR" smtClean="0"/>
-              <a:t>07/07/2020</a:t>
+              <a:t>11/07/2020</a:t>
             </a:fld>
             <a:endParaRPr lang="pt-BR"/>
           </a:p>
@@ -2669,7 +2669,7 @@
           <a:p>
             <a:fld id="{B04D53BB-0E77-4B4C-B844-38DE05DA3030}" type="datetimeFigureOut">
               <a:rPr lang="pt-BR" smtClean="0"/>
-              <a:t>07/07/2020</a:t>
+              <a:t>11/07/2020</a:t>
             </a:fld>
             <a:endParaRPr lang="pt-BR"/>
           </a:p>
@@ -2910,7 +2910,7 @@
           <a:p>
             <a:fld id="{B04D53BB-0E77-4B4C-B844-38DE05DA3030}" type="datetimeFigureOut">
               <a:rPr lang="pt-BR" smtClean="0"/>
-              <a:t>07/07/2020</a:t>
+              <a:t>11/07/2020</a:t>
             </a:fld>
             <a:endParaRPr lang="pt-BR"/>
           </a:p>
@@ -4006,6 +4006,24 @@
                 </a:srgbClr>
               </a:clrTo>
             </a:clrChange>
+            <a:duotone>
+              <a:prstClr val="black"/>
+              <a:schemeClr val="accent1">
+                <a:tint val="45000"/>
+                <a:satMod val="400000"/>
+              </a:schemeClr>
+            </a:duotone>
+            <a:extLst>
+              <a:ext uri="{BEBA8EAE-BF5A-486C-A8C5-ECC9F3942E4B}">
+                <a14:imgProps xmlns:a14="http://schemas.microsoft.com/office/drawing/2010/main">
+                  <a14:imgLayer r:embed="rId5">
+                    <a14:imgEffect>
+                      <a14:brightnessContrast bright="20000" contrast="20000"/>
+                    </a14:imgEffect>
+                  </a14:imgLayer>
+                </a14:imgProps>
+              </a:ext>
+            </a:extLst>
           </a:blip>
           <a:stretch>
             <a:fillRect/>
@@ -4013,7 +4031,7 @@
         </p:blipFill>
         <p:spPr>
           <a:xfrm>
-            <a:off x="7516827" y="463452"/>
+            <a:off x="3358895" y="4216911"/>
             <a:ext cx="497637" cy="316988"/>
           </a:xfrm>
           <a:prstGeom prst="rect">
@@ -4036,7 +4054,7 @@
           <p:nvPr/>
         </p:nvPicPr>
         <p:blipFill>
-          <a:blip r:embed="rId5">
+          <a:blip r:embed="rId6">
             <a:clrChange>
               <a:clrFrom>
                 <a:srgbClr val="FFFFFF"/>
@@ -4077,7 +4095,7 @@
           <p:nvPr/>
         </p:nvPicPr>
         <p:blipFill>
-          <a:blip r:embed="rId6">
+          <a:blip r:embed="rId7">
             <a:clrChange>
               <a:clrFrom>
                 <a:srgbClr val="FFFFFF"/>
@@ -4097,6 +4115,116 @@
           <a:xfrm>
             <a:off x="7503451" y="1309240"/>
             <a:ext cx="518026" cy="339745"/>
+          </a:xfrm>
+          <a:prstGeom prst="rect">
+            <a:avLst/>
+          </a:prstGeom>
+        </p:spPr>
+      </p:pic>
+      <p:pic>
+        <p:nvPicPr>
+          <p:cNvPr id="9" name="Imagem 8">
+            <a:extLst>
+              <a:ext uri="{FF2B5EF4-FFF2-40B4-BE49-F238E27FC236}">
+                <a16:creationId xmlns:a16="http://schemas.microsoft.com/office/drawing/2014/main" id="{3BC21C52-8928-433A-8D6A-87856D45D05F}"/>
+              </a:ext>
+            </a:extLst>
+          </p:cNvPr>
+          <p:cNvPicPr>
+            <a:picLocks noChangeAspect="1"/>
+          </p:cNvPicPr>
+          <p:nvPr/>
+        </p:nvPicPr>
+        <p:blipFill>
+          <a:blip r:embed="rId8">
+            <a:clrChange>
+              <a:clrFrom>
+                <a:srgbClr val="E6E6E6"/>
+              </a:clrFrom>
+              <a:clrTo>
+                <a:srgbClr val="E6E6E6">
+                  <a:alpha val="0"/>
+                </a:srgbClr>
+              </a:clrTo>
+            </a:clrChange>
+            <a:extLst>
+              <a:ext uri="{BEBA8EAE-BF5A-486C-A8C5-ECC9F3942E4B}">
+                <a14:imgProps xmlns:a14="http://schemas.microsoft.com/office/drawing/2010/main">
+                  <a14:imgLayer r:embed="rId9">
+                    <a14:imgEffect>
+                      <a14:brightnessContrast bright="-20000" contrast="40000"/>
+                    </a14:imgEffect>
+                  </a14:imgLayer>
+                </a14:imgProps>
+              </a:ext>
+              <a:ext uri="{28A0092B-C50C-407E-A947-70E740481C1C}">
+                <a14:useLocalDpi xmlns:a14="http://schemas.microsoft.com/office/drawing/2010/main" val="0"/>
+              </a:ext>
+            </a:extLst>
+          </a:blip>
+          <a:stretch>
+            <a:fillRect/>
+          </a:stretch>
+        </p:blipFill>
+        <p:spPr>
+          <a:xfrm>
+            <a:off x="7503451" y="1719842"/>
+            <a:ext cx="497549" cy="315753"/>
+          </a:xfrm>
+          <a:prstGeom prst="rect">
+            <a:avLst/>
+          </a:prstGeom>
+        </p:spPr>
+      </p:pic>
+      <p:pic>
+        <p:nvPicPr>
+          <p:cNvPr id="10" name="Imagem 9">
+            <a:extLst>
+              <a:ext uri="{FF2B5EF4-FFF2-40B4-BE49-F238E27FC236}">
+                <a16:creationId xmlns:a16="http://schemas.microsoft.com/office/drawing/2014/main" id="{7D6994E1-5355-4D60-A809-E364D46406A6}"/>
+              </a:ext>
+            </a:extLst>
+          </p:cNvPr>
+          <p:cNvPicPr>
+            <a:picLocks noChangeAspect="1"/>
+          </p:cNvPicPr>
+          <p:nvPr/>
+        </p:nvPicPr>
+        <p:blipFill>
+          <a:blip r:embed="rId8">
+            <a:clrChange>
+              <a:clrFrom>
+                <a:srgbClr val="E6E6E6"/>
+              </a:clrFrom>
+              <a:clrTo>
+                <a:srgbClr val="E6E6E6">
+                  <a:alpha val="0"/>
+                </a:srgbClr>
+              </a:clrTo>
+            </a:clrChange>
+            <a:extLst>
+              <a:ext uri="{BEBA8EAE-BF5A-486C-A8C5-ECC9F3942E4B}">
+                <a14:imgProps xmlns:a14="http://schemas.microsoft.com/office/drawing/2010/main">
+                  <a14:imgLayer r:embed="rId9">
+                    <a14:imgEffect>
+                      <a14:brightnessContrast bright="-20000" contrast="40000"/>
+                    </a14:imgEffect>
+                  </a14:imgLayer>
+                </a14:imgProps>
+              </a:ext>
+              <a:ext uri="{28A0092B-C50C-407E-A947-70E740481C1C}">
+                <a14:useLocalDpi xmlns:a14="http://schemas.microsoft.com/office/drawing/2010/main" val="0"/>
+              </a:ext>
+            </a:extLst>
+          </a:blip>
+          <a:stretch>
+            <a:fillRect/>
+          </a:stretch>
+        </p:blipFill>
+        <p:spPr>
+          <a:xfrm flipH="1">
+            <a:off x="6116362" y="1830513"/>
+            <a:ext cx="360638" cy="228867"/>
           </a:xfrm>
           <a:prstGeom prst="rect">
             <a:avLst/>
